--- a/Sketches.pptx
+++ b/Sketches.pptx
@@ -6,6 +6,12 @@
   </p:sldMasterIdLst>
   <p:sldIdLst>
     <p:sldId id="256" r:id="rId2"/>
+    <p:sldId id="257" r:id="rId3"/>
+    <p:sldId id="258" r:id="rId4"/>
+    <p:sldId id="259" r:id="rId5"/>
+    <p:sldId id="260" r:id="rId6"/>
+    <p:sldId id="261" r:id="rId7"/>
+    <p:sldId id="262" r:id="rId8"/>
   </p:sldIdLst>
   <p:sldSz cx="12192000" cy="6858000"/>
   <p:notesSz cx="6858000" cy="9144000"/>
@@ -104,6 +110,11 @@
       </a:defRPr>
     </a:lvl9pPr>
   </p:defaultTextStyle>
+  <p:extLst>
+    <p:ext uri="{EFAFB233-063F-42B5-8137-9DF3F51BA10A}">
+      <p15:sldGuideLst xmlns:p15="http://schemas.microsoft.com/office/powerpoint/2012/main"/>
+    </p:ext>
+  </p:extLst>
 </p:presentation>
 </file>
 
@@ -256,7 +267,7 @@
           <a:p>
             <a:fld id="{DD015913-1A02-5C45-BC08-C7C0FB1D27F3}" type="datetimeFigureOut">
               <a:rPr lang="en-US" smtClean="0"/>
-              <a:t>8/26/20</a:t>
+              <a:t>8/27/20</a:t>
             </a:fld>
             <a:endParaRPr lang="en-US"/>
           </a:p>
@@ -456,7 +467,7 @@
           <a:p>
             <a:fld id="{DD015913-1A02-5C45-BC08-C7C0FB1D27F3}" type="datetimeFigureOut">
               <a:rPr lang="en-US" smtClean="0"/>
-              <a:t>8/26/20</a:t>
+              <a:t>8/27/20</a:t>
             </a:fld>
             <a:endParaRPr lang="en-US"/>
           </a:p>
@@ -666,7 +677,7 @@
           <a:p>
             <a:fld id="{DD015913-1A02-5C45-BC08-C7C0FB1D27F3}" type="datetimeFigureOut">
               <a:rPr lang="en-US" smtClean="0"/>
-              <a:t>8/26/20</a:t>
+              <a:t>8/27/20</a:t>
             </a:fld>
             <a:endParaRPr lang="en-US"/>
           </a:p>
@@ -866,7 +877,7 @@
           <a:p>
             <a:fld id="{DD015913-1A02-5C45-BC08-C7C0FB1D27F3}" type="datetimeFigureOut">
               <a:rPr lang="en-US" smtClean="0"/>
-              <a:t>8/26/20</a:t>
+              <a:t>8/27/20</a:t>
             </a:fld>
             <a:endParaRPr lang="en-US"/>
           </a:p>
@@ -1142,7 +1153,7 @@
           <a:p>
             <a:fld id="{DD015913-1A02-5C45-BC08-C7C0FB1D27F3}" type="datetimeFigureOut">
               <a:rPr lang="en-US" smtClean="0"/>
-              <a:t>8/26/20</a:t>
+              <a:t>8/27/20</a:t>
             </a:fld>
             <a:endParaRPr lang="en-US"/>
           </a:p>
@@ -1410,7 +1421,7 @@
           <a:p>
             <a:fld id="{DD015913-1A02-5C45-BC08-C7C0FB1D27F3}" type="datetimeFigureOut">
               <a:rPr lang="en-US" smtClean="0"/>
-              <a:t>8/26/20</a:t>
+              <a:t>8/27/20</a:t>
             </a:fld>
             <a:endParaRPr lang="en-US"/>
           </a:p>
@@ -1825,7 +1836,7 @@
           <a:p>
             <a:fld id="{DD015913-1A02-5C45-BC08-C7C0FB1D27F3}" type="datetimeFigureOut">
               <a:rPr lang="en-US" smtClean="0"/>
-              <a:t>8/26/20</a:t>
+              <a:t>8/27/20</a:t>
             </a:fld>
             <a:endParaRPr lang="en-US"/>
           </a:p>
@@ -1967,7 +1978,7 @@
           <a:p>
             <a:fld id="{DD015913-1A02-5C45-BC08-C7C0FB1D27F3}" type="datetimeFigureOut">
               <a:rPr lang="en-US" smtClean="0"/>
-              <a:t>8/26/20</a:t>
+              <a:t>8/27/20</a:t>
             </a:fld>
             <a:endParaRPr lang="en-US"/>
           </a:p>
@@ -2080,7 +2091,7 @@
           <a:p>
             <a:fld id="{DD015913-1A02-5C45-BC08-C7C0FB1D27F3}" type="datetimeFigureOut">
               <a:rPr lang="en-US" smtClean="0"/>
-              <a:t>8/26/20</a:t>
+              <a:t>8/27/20</a:t>
             </a:fld>
             <a:endParaRPr lang="en-US"/>
           </a:p>
@@ -2393,7 +2404,7 @@
           <a:p>
             <a:fld id="{DD015913-1A02-5C45-BC08-C7C0FB1D27F3}" type="datetimeFigureOut">
               <a:rPr lang="en-US" smtClean="0"/>
-              <a:t>8/26/20</a:t>
+              <a:t>8/27/20</a:t>
             </a:fld>
             <a:endParaRPr lang="en-US"/>
           </a:p>
@@ -2682,7 +2693,7 @@
           <a:p>
             <a:fld id="{DD015913-1A02-5C45-BC08-C7C0FB1D27F3}" type="datetimeFigureOut">
               <a:rPr lang="en-US" smtClean="0"/>
-              <a:t>8/26/20</a:t>
+              <a:t>8/27/20</a:t>
             </a:fld>
             <a:endParaRPr lang="en-US"/>
           </a:p>
@@ -2925,7 +2936,7 @@
           <a:p>
             <a:fld id="{DD015913-1A02-5C45-BC08-C7C0FB1D27F3}" type="datetimeFigureOut">
               <a:rPr lang="en-US" smtClean="0"/>
-              <a:t>8/26/20</a:t>
+              <a:t>8/27/20</a:t>
             </a:fld>
             <a:endParaRPr lang="en-US"/>
           </a:p>
@@ -3342,10 +3353,1059 @@
           <a:chExt cx="0" cy="0"/>
         </a:xfrm>
       </p:grpSpPr>
+      <p:sp>
+        <p:nvSpPr>
+          <p:cNvPr id="2" name="TextBox 1">
+            <a:extLst>
+              <a:ext uri="{FF2B5EF4-FFF2-40B4-BE49-F238E27FC236}">
+                <a16:creationId xmlns:a16="http://schemas.microsoft.com/office/drawing/2014/main" id="{A83DC1A2-C443-E84F-857C-337B26711CE6}"/>
+              </a:ext>
+            </a:extLst>
+          </p:cNvPr>
+          <p:cNvSpPr txBox="1"/>
+          <p:nvPr/>
+        </p:nvSpPr>
+        <p:spPr>
+          <a:xfrm>
+            <a:off x="4906347" y="283779"/>
+            <a:ext cx="2379306" cy="523220"/>
+          </a:xfrm>
+          <a:prstGeom prst="rect">
+            <a:avLst/>
+          </a:prstGeom>
+          <a:noFill/>
+        </p:spPr>
+        <p:txBody>
+          <a:bodyPr wrap="none" rtlCol="0">
+            <a:spAutoFit/>
+          </a:bodyPr>
+          <a:lstStyle/>
+          <a:p>
+            <a:r>
+              <a:rPr lang="en-US" sz="2800" dirty="0"/>
+              <a:t>Memory Game</a:t>
+            </a:r>
+          </a:p>
+        </p:txBody>
+      </p:sp>
+      <p:sp>
+        <p:nvSpPr>
+          <p:cNvPr id="3" name="TextBox 2">
+            <a:extLst>
+              <a:ext uri="{FF2B5EF4-FFF2-40B4-BE49-F238E27FC236}">
+                <a16:creationId xmlns:a16="http://schemas.microsoft.com/office/drawing/2014/main" id="{00FB9D49-63E0-184D-B1F5-17FEB410671D}"/>
+              </a:ext>
+            </a:extLst>
+          </p:cNvPr>
+          <p:cNvSpPr txBox="1"/>
+          <p:nvPr/>
+        </p:nvSpPr>
+        <p:spPr>
+          <a:xfrm>
+            <a:off x="588579" y="1734207"/>
+            <a:ext cx="632289" cy="369332"/>
+          </a:xfrm>
+          <a:prstGeom prst="rect">
+            <a:avLst/>
+          </a:prstGeom>
+          <a:noFill/>
+        </p:spPr>
+        <p:txBody>
+          <a:bodyPr wrap="none" rtlCol="0">
+            <a:spAutoFit/>
+          </a:bodyPr>
+          <a:lstStyle/>
+          <a:p>
+            <a:r>
+              <a:rPr lang="en-US" dirty="0"/>
+              <a:t>Start</a:t>
+            </a:r>
+          </a:p>
+        </p:txBody>
+      </p:sp>
+      <p:sp>
+        <p:nvSpPr>
+          <p:cNvPr id="4" name="TextBox 3">
+            <a:extLst>
+              <a:ext uri="{FF2B5EF4-FFF2-40B4-BE49-F238E27FC236}">
+                <a16:creationId xmlns:a16="http://schemas.microsoft.com/office/drawing/2014/main" id="{FD00E38F-C497-ED4F-84D8-7FCD47FF9A45}"/>
+              </a:ext>
+            </a:extLst>
+          </p:cNvPr>
+          <p:cNvSpPr txBox="1"/>
+          <p:nvPr/>
+        </p:nvSpPr>
+        <p:spPr>
+          <a:xfrm>
+            <a:off x="575178" y="2322786"/>
+            <a:ext cx="1291379" cy="369332"/>
+          </a:xfrm>
+          <a:prstGeom prst="rect">
+            <a:avLst/>
+          </a:prstGeom>
+          <a:noFill/>
+        </p:spPr>
+        <p:txBody>
+          <a:bodyPr wrap="none" rtlCol="0">
+            <a:spAutoFit/>
+          </a:bodyPr>
+          <a:lstStyle/>
+          <a:p>
+            <a:r>
+              <a:rPr lang="en-US" dirty="0"/>
+              <a:t>Instructions</a:t>
+            </a:r>
+          </a:p>
+        </p:txBody>
+      </p:sp>
+      <p:sp>
+        <p:nvSpPr>
+          <p:cNvPr id="5" name="TextBox 4">
+            <a:extLst>
+              <a:ext uri="{FF2B5EF4-FFF2-40B4-BE49-F238E27FC236}">
+                <a16:creationId xmlns:a16="http://schemas.microsoft.com/office/drawing/2014/main" id="{32323A65-13A9-3740-9D08-BC8C896A028A}"/>
+              </a:ext>
+            </a:extLst>
+          </p:cNvPr>
+          <p:cNvSpPr txBox="1"/>
+          <p:nvPr/>
+        </p:nvSpPr>
+        <p:spPr>
+          <a:xfrm>
+            <a:off x="575178" y="2911365"/>
+            <a:ext cx="591829" cy="369332"/>
+          </a:xfrm>
+          <a:prstGeom prst="rect">
+            <a:avLst/>
+          </a:prstGeom>
+          <a:noFill/>
+        </p:spPr>
+        <p:txBody>
+          <a:bodyPr wrap="none" rtlCol="0">
+            <a:spAutoFit/>
+          </a:bodyPr>
+          <a:lstStyle/>
+          <a:p>
+            <a:r>
+              <a:rPr lang="en-US" dirty="0"/>
+              <a:t>Quit</a:t>
+            </a:r>
+          </a:p>
+        </p:txBody>
+      </p:sp>
     </p:spTree>
     <p:extLst>
       <p:ext uri="{BB962C8B-B14F-4D97-AF65-F5344CB8AC3E}">
         <p14:creationId xmlns:p14="http://schemas.microsoft.com/office/powerpoint/2010/main" val="407646046"/>
+      </p:ext>
+    </p:extLst>
+  </p:cSld>
+  <p:clrMapOvr>
+    <a:masterClrMapping/>
+  </p:clrMapOvr>
+</p:sld>
+</file>
+
+<file path=ppt/slides/slide2.xml><?xml version="1.0" encoding="utf-8"?>
+<p:sld xmlns:a="http://schemas.openxmlformats.org/drawingml/2006/main" xmlns:r="http://schemas.openxmlformats.org/officeDocument/2006/relationships" xmlns:p="http://schemas.openxmlformats.org/presentationml/2006/main">
+  <p:cSld>
+    <p:spTree>
+      <p:nvGrpSpPr>
+        <p:cNvPr id="1" name=""/>
+        <p:cNvGrpSpPr/>
+        <p:nvPr/>
+      </p:nvGrpSpPr>
+      <p:grpSpPr>
+        <a:xfrm>
+          <a:off x="0" y="0"/>
+          <a:ext cx="0" cy="0"/>
+          <a:chOff x="0" y="0"/>
+          <a:chExt cx="0" cy="0"/>
+        </a:xfrm>
+      </p:grpSpPr>
+      <p:sp>
+        <p:nvSpPr>
+          <p:cNvPr id="4" name="TextBox 3">
+            <a:extLst>
+              <a:ext uri="{FF2B5EF4-FFF2-40B4-BE49-F238E27FC236}">
+                <a16:creationId xmlns:a16="http://schemas.microsoft.com/office/drawing/2014/main" id="{660A5B3E-B91D-9841-A189-6FD76FEB0D39}"/>
+              </a:ext>
+            </a:extLst>
+          </p:cNvPr>
+          <p:cNvSpPr txBox="1"/>
+          <p:nvPr/>
+        </p:nvSpPr>
+        <p:spPr>
+          <a:xfrm>
+            <a:off x="5141668" y="273269"/>
+            <a:ext cx="1908664" cy="523220"/>
+          </a:xfrm>
+          <a:prstGeom prst="rect">
+            <a:avLst/>
+          </a:prstGeom>
+          <a:noFill/>
+        </p:spPr>
+        <p:txBody>
+          <a:bodyPr wrap="none" rtlCol="0">
+            <a:spAutoFit/>
+          </a:bodyPr>
+          <a:lstStyle/>
+          <a:p>
+            <a:r>
+              <a:rPr lang="en-US" sz="2800" dirty="0"/>
+              <a:t>Instructions</a:t>
+            </a:r>
+          </a:p>
+        </p:txBody>
+      </p:sp>
+      <p:sp>
+        <p:nvSpPr>
+          <p:cNvPr id="5" name="TextBox 4">
+            <a:extLst>
+              <a:ext uri="{FF2B5EF4-FFF2-40B4-BE49-F238E27FC236}">
+                <a16:creationId xmlns:a16="http://schemas.microsoft.com/office/drawing/2014/main" id="{096C6822-0DCA-7946-B9DA-77A337E25C26}"/>
+              </a:ext>
+            </a:extLst>
+          </p:cNvPr>
+          <p:cNvSpPr txBox="1"/>
+          <p:nvPr/>
+        </p:nvSpPr>
+        <p:spPr>
+          <a:xfrm>
+            <a:off x="735724" y="6053959"/>
+            <a:ext cx="622286" cy="369332"/>
+          </a:xfrm>
+          <a:prstGeom prst="rect">
+            <a:avLst/>
+          </a:prstGeom>
+          <a:noFill/>
+        </p:spPr>
+        <p:txBody>
+          <a:bodyPr wrap="none" rtlCol="0">
+            <a:spAutoFit/>
+          </a:bodyPr>
+          <a:lstStyle/>
+          <a:p>
+            <a:r>
+              <a:rPr lang="en-US" dirty="0"/>
+              <a:t>Back</a:t>
+            </a:r>
+          </a:p>
+        </p:txBody>
+      </p:sp>
+      <p:sp>
+        <p:nvSpPr>
+          <p:cNvPr id="6" name="TextBox 5">
+            <a:extLst>
+              <a:ext uri="{FF2B5EF4-FFF2-40B4-BE49-F238E27FC236}">
+                <a16:creationId xmlns:a16="http://schemas.microsoft.com/office/drawing/2014/main" id="{1F14FACC-4C25-974E-9B04-29C01227B544}"/>
+              </a:ext>
+            </a:extLst>
+          </p:cNvPr>
+          <p:cNvSpPr txBox="1"/>
+          <p:nvPr/>
+        </p:nvSpPr>
+        <p:spPr>
+          <a:xfrm>
+            <a:off x="2701158" y="1460937"/>
+            <a:ext cx="6789683" cy="1200329"/>
+          </a:xfrm>
+          <a:prstGeom prst="rect">
+            <a:avLst/>
+          </a:prstGeom>
+          <a:noFill/>
+        </p:spPr>
+        <p:txBody>
+          <a:bodyPr wrap="square" rtlCol="0">
+            <a:spAutoFit/>
+          </a:bodyPr>
+          <a:lstStyle/>
+          <a:p>
+            <a:r>
+              <a:rPr lang="en-US" dirty="0"/>
+              <a:t>Write instructions here Write instructions here Write instructions here </a:t>
+            </a:r>
+          </a:p>
+          <a:p>
+            <a:r>
+              <a:rPr lang="en-US" dirty="0"/>
+              <a:t>Write instructions here Write instructions here Write instructions here </a:t>
+            </a:r>
+          </a:p>
+          <a:p>
+            <a:r>
+              <a:rPr lang="en-US" dirty="0"/>
+              <a:t>Write instructions here Write instructions here Write instructions here </a:t>
+            </a:r>
+          </a:p>
+          <a:p>
+            <a:r>
+              <a:rPr lang="en-US" dirty="0"/>
+              <a:t>Write instructions here Write instructions here Write instructions here </a:t>
+            </a:r>
+          </a:p>
+        </p:txBody>
+      </p:sp>
+    </p:spTree>
+    <p:extLst>
+      <p:ext uri="{BB962C8B-B14F-4D97-AF65-F5344CB8AC3E}">
+        <p14:creationId xmlns:p14="http://schemas.microsoft.com/office/powerpoint/2010/main" val="1203914642"/>
+      </p:ext>
+    </p:extLst>
+  </p:cSld>
+  <p:clrMapOvr>
+    <a:masterClrMapping/>
+  </p:clrMapOvr>
+</p:sld>
+</file>
+
+<file path=ppt/slides/slide3.xml><?xml version="1.0" encoding="utf-8"?>
+<p:sld xmlns:a="http://schemas.openxmlformats.org/drawingml/2006/main" xmlns:r="http://schemas.openxmlformats.org/officeDocument/2006/relationships" xmlns:p="http://schemas.openxmlformats.org/presentationml/2006/main">
+  <p:cSld>
+    <p:spTree>
+      <p:nvGrpSpPr>
+        <p:cNvPr id="1" name=""/>
+        <p:cNvGrpSpPr/>
+        <p:nvPr/>
+      </p:nvGrpSpPr>
+      <p:grpSpPr>
+        <a:xfrm>
+          <a:off x="0" y="0"/>
+          <a:ext cx="0" cy="0"/>
+          <a:chOff x="0" y="0"/>
+          <a:chExt cx="0" cy="0"/>
+        </a:xfrm>
+      </p:grpSpPr>
+      <p:sp>
+        <p:nvSpPr>
+          <p:cNvPr id="4" name="TextBox 3">
+            <a:extLst>
+              <a:ext uri="{FF2B5EF4-FFF2-40B4-BE49-F238E27FC236}">
+                <a16:creationId xmlns:a16="http://schemas.microsoft.com/office/drawing/2014/main" id="{97BD2750-C211-0248-820B-180CED70428C}"/>
+              </a:ext>
+            </a:extLst>
+          </p:cNvPr>
+          <p:cNvSpPr txBox="1"/>
+          <p:nvPr/>
+        </p:nvSpPr>
+        <p:spPr>
+          <a:xfrm>
+            <a:off x="4872909" y="325821"/>
+            <a:ext cx="2446182" cy="523220"/>
+          </a:xfrm>
+          <a:prstGeom prst="rect">
+            <a:avLst/>
+          </a:prstGeom>
+          <a:noFill/>
+        </p:spPr>
+        <p:txBody>
+          <a:bodyPr wrap="none" rtlCol="0">
+            <a:spAutoFit/>
+          </a:bodyPr>
+          <a:lstStyle/>
+          <a:p>
+            <a:r>
+              <a:rPr lang="en-US" sz="2800" dirty="0"/>
+              <a:t>Select Difficulty</a:t>
+            </a:r>
+          </a:p>
+        </p:txBody>
+      </p:sp>
+      <p:sp>
+        <p:nvSpPr>
+          <p:cNvPr id="5" name="TextBox 4">
+            <a:extLst>
+              <a:ext uri="{FF2B5EF4-FFF2-40B4-BE49-F238E27FC236}">
+                <a16:creationId xmlns:a16="http://schemas.microsoft.com/office/drawing/2014/main" id="{5A03AB17-9522-454A-8EE8-AFA563E0DC51}"/>
+              </a:ext>
+            </a:extLst>
+          </p:cNvPr>
+          <p:cNvSpPr txBox="1"/>
+          <p:nvPr/>
+        </p:nvSpPr>
+        <p:spPr>
+          <a:xfrm>
+            <a:off x="5799284" y="1608082"/>
+            <a:ext cx="593432" cy="369332"/>
+          </a:xfrm>
+          <a:prstGeom prst="rect">
+            <a:avLst/>
+          </a:prstGeom>
+          <a:noFill/>
+        </p:spPr>
+        <p:txBody>
+          <a:bodyPr wrap="none" rtlCol="0">
+            <a:spAutoFit/>
+          </a:bodyPr>
+          <a:lstStyle/>
+          <a:p>
+            <a:r>
+              <a:rPr lang="en-US" dirty="0"/>
+              <a:t>Easy</a:t>
+            </a:r>
+          </a:p>
+        </p:txBody>
+      </p:sp>
+      <p:sp>
+        <p:nvSpPr>
+          <p:cNvPr id="6" name="TextBox 5">
+            <a:extLst>
+              <a:ext uri="{FF2B5EF4-FFF2-40B4-BE49-F238E27FC236}">
+                <a16:creationId xmlns:a16="http://schemas.microsoft.com/office/drawing/2014/main" id="{244E5C66-CE62-C24C-9909-F7C12AF2EA15}"/>
+              </a:ext>
+            </a:extLst>
+          </p:cNvPr>
+          <p:cNvSpPr txBox="1"/>
+          <p:nvPr/>
+        </p:nvSpPr>
+        <p:spPr>
+          <a:xfrm>
+            <a:off x="5606923" y="2736455"/>
+            <a:ext cx="978153" cy="369332"/>
+          </a:xfrm>
+          <a:prstGeom prst="rect">
+            <a:avLst/>
+          </a:prstGeom>
+          <a:noFill/>
+        </p:spPr>
+        <p:txBody>
+          <a:bodyPr wrap="none" rtlCol="0">
+            <a:spAutoFit/>
+          </a:bodyPr>
+          <a:lstStyle/>
+          <a:p>
+            <a:r>
+              <a:rPr lang="en-US" dirty="0"/>
+              <a:t>Medium</a:t>
+            </a:r>
+          </a:p>
+        </p:txBody>
+      </p:sp>
+      <p:sp>
+        <p:nvSpPr>
+          <p:cNvPr id="7" name="TextBox 6">
+            <a:extLst>
+              <a:ext uri="{FF2B5EF4-FFF2-40B4-BE49-F238E27FC236}">
+                <a16:creationId xmlns:a16="http://schemas.microsoft.com/office/drawing/2014/main" id="{42365E3D-524D-4B4B-B43A-9AF4B60ADBD3}"/>
+              </a:ext>
+            </a:extLst>
+          </p:cNvPr>
+          <p:cNvSpPr txBox="1"/>
+          <p:nvPr/>
+        </p:nvSpPr>
+        <p:spPr>
+          <a:xfrm>
+            <a:off x="5776809" y="3864828"/>
+            <a:ext cx="638380" cy="369332"/>
+          </a:xfrm>
+          <a:prstGeom prst="rect">
+            <a:avLst/>
+          </a:prstGeom>
+          <a:noFill/>
+        </p:spPr>
+        <p:txBody>
+          <a:bodyPr wrap="none" rtlCol="0">
+            <a:spAutoFit/>
+          </a:bodyPr>
+          <a:lstStyle/>
+          <a:p>
+            <a:r>
+              <a:rPr lang="en-US" dirty="0"/>
+              <a:t>Hard</a:t>
+            </a:r>
+          </a:p>
+        </p:txBody>
+      </p:sp>
+      <p:sp>
+        <p:nvSpPr>
+          <p:cNvPr id="8" name="TextBox 7">
+            <a:extLst>
+              <a:ext uri="{FF2B5EF4-FFF2-40B4-BE49-F238E27FC236}">
+                <a16:creationId xmlns:a16="http://schemas.microsoft.com/office/drawing/2014/main" id="{FAD2A716-D286-974B-8249-DEEFAEB1BF83}"/>
+              </a:ext>
+            </a:extLst>
+          </p:cNvPr>
+          <p:cNvSpPr txBox="1"/>
+          <p:nvPr/>
+        </p:nvSpPr>
+        <p:spPr>
+          <a:xfrm>
+            <a:off x="704193" y="5990897"/>
+            <a:ext cx="622286" cy="369332"/>
+          </a:xfrm>
+          <a:prstGeom prst="rect">
+            <a:avLst/>
+          </a:prstGeom>
+          <a:noFill/>
+        </p:spPr>
+        <p:txBody>
+          <a:bodyPr wrap="none" rtlCol="0">
+            <a:spAutoFit/>
+          </a:bodyPr>
+          <a:lstStyle/>
+          <a:p>
+            <a:r>
+              <a:rPr lang="en-US" dirty="0"/>
+              <a:t>Back</a:t>
+            </a:r>
+          </a:p>
+        </p:txBody>
+      </p:sp>
+    </p:spTree>
+    <p:extLst>
+      <p:ext uri="{BB962C8B-B14F-4D97-AF65-F5344CB8AC3E}">
+        <p14:creationId xmlns:p14="http://schemas.microsoft.com/office/powerpoint/2010/main" val="1687260550"/>
+      </p:ext>
+    </p:extLst>
+  </p:cSld>
+  <p:clrMapOvr>
+    <a:masterClrMapping/>
+  </p:clrMapOvr>
+</p:sld>
+</file>
+
+<file path=ppt/slides/slide4.xml><?xml version="1.0" encoding="utf-8"?>
+<p:sld xmlns:a="http://schemas.openxmlformats.org/drawingml/2006/main" xmlns:r="http://schemas.openxmlformats.org/officeDocument/2006/relationships" xmlns:p="http://schemas.openxmlformats.org/presentationml/2006/main">
+  <p:cSld>
+    <p:spTree>
+      <p:nvGrpSpPr>
+        <p:cNvPr id="1" name=""/>
+        <p:cNvGrpSpPr/>
+        <p:nvPr/>
+      </p:nvGrpSpPr>
+      <p:grpSpPr>
+        <a:xfrm>
+          <a:off x="0" y="0"/>
+          <a:ext cx="0" cy="0"/>
+          <a:chOff x="0" y="0"/>
+          <a:chExt cx="0" cy="0"/>
+        </a:xfrm>
+      </p:grpSpPr>
+      <p:sp>
+        <p:nvSpPr>
+          <p:cNvPr id="4" name="TextBox 3">
+            <a:extLst>
+              <a:ext uri="{FF2B5EF4-FFF2-40B4-BE49-F238E27FC236}">
+                <a16:creationId xmlns:a16="http://schemas.microsoft.com/office/drawing/2014/main" id="{A6D67E28-6FC0-294A-99BE-DB9C08A919B7}"/>
+              </a:ext>
+            </a:extLst>
+          </p:cNvPr>
+          <p:cNvSpPr txBox="1"/>
+          <p:nvPr/>
+        </p:nvSpPr>
+        <p:spPr>
+          <a:xfrm>
+            <a:off x="4461706" y="2522482"/>
+            <a:ext cx="3268587" cy="523220"/>
+          </a:xfrm>
+          <a:prstGeom prst="rect">
+            <a:avLst/>
+          </a:prstGeom>
+          <a:noFill/>
+        </p:spPr>
+        <p:txBody>
+          <a:bodyPr wrap="none" rtlCol="0">
+            <a:spAutoFit/>
+          </a:bodyPr>
+          <a:lstStyle/>
+          <a:p>
+            <a:r>
+              <a:rPr lang="en-US" sz="2800" dirty="0"/>
+              <a:t>The word is: Aw32Nk</a:t>
+            </a:r>
+          </a:p>
+        </p:txBody>
+      </p:sp>
+      <p:sp>
+        <p:nvSpPr>
+          <p:cNvPr id="5" name="TextBox 4">
+            <a:extLst>
+              <a:ext uri="{FF2B5EF4-FFF2-40B4-BE49-F238E27FC236}">
+                <a16:creationId xmlns:a16="http://schemas.microsoft.com/office/drawing/2014/main" id="{2ED4F6D4-7F7E-8E43-AD50-10F1699A479C}"/>
+              </a:ext>
+            </a:extLst>
+          </p:cNvPr>
+          <p:cNvSpPr txBox="1"/>
+          <p:nvPr/>
+        </p:nvSpPr>
+        <p:spPr>
+          <a:xfrm>
+            <a:off x="4947255" y="3160251"/>
+            <a:ext cx="2297488" cy="369332"/>
+          </a:xfrm>
+          <a:prstGeom prst="rect">
+            <a:avLst/>
+          </a:prstGeom>
+          <a:noFill/>
+        </p:spPr>
+        <p:txBody>
+          <a:bodyPr wrap="none" rtlCol="0">
+            <a:spAutoFit/>
+          </a:bodyPr>
+          <a:lstStyle/>
+          <a:p>
+            <a:r>
+              <a:rPr lang="en-US" dirty="0"/>
+              <a:t>Starting in 3.2 seconds</a:t>
+            </a:r>
+          </a:p>
+        </p:txBody>
+      </p:sp>
+    </p:spTree>
+    <p:extLst>
+      <p:ext uri="{BB962C8B-B14F-4D97-AF65-F5344CB8AC3E}">
+        <p14:creationId xmlns:p14="http://schemas.microsoft.com/office/powerpoint/2010/main" val="1633855440"/>
+      </p:ext>
+    </p:extLst>
+  </p:cSld>
+  <p:clrMapOvr>
+    <a:masterClrMapping/>
+  </p:clrMapOvr>
+</p:sld>
+</file>
+
+<file path=ppt/slides/slide5.xml><?xml version="1.0" encoding="utf-8"?>
+<p:sld xmlns:a="http://schemas.openxmlformats.org/drawingml/2006/main" xmlns:r="http://schemas.openxmlformats.org/officeDocument/2006/relationships" xmlns:p="http://schemas.openxmlformats.org/presentationml/2006/main">
+  <p:cSld>
+    <p:spTree>
+      <p:nvGrpSpPr>
+        <p:cNvPr id="1" name=""/>
+        <p:cNvGrpSpPr/>
+        <p:nvPr/>
+      </p:nvGrpSpPr>
+      <p:grpSpPr>
+        <a:xfrm>
+          <a:off x="0" y="0"/>
+          <a:ext cx="0" cy="0"/>
+          <a:chOff x="0" y="0"/>
+          <a:chExt cx="0" cy="0"/>
+        </a:xfrm>
+      </p:grpSpPr>
+      <p:sp>
+        <p:nvSpPr>
+          <p:cNvPr id="4" name="TextBox 3">
+            <a:extLst>
+              <a:ext uri="{FF2B5EF4-FFF2-40B4-BE49-F238E27FC236}">
+                <a16:creationId xmlns:a16="http://schemas.microsoft.com/office/drawing/2014/main" id="{8542526C-306F-7A4B-A8E2-E52F7000B6A8}"/>
+              </a:ext>
+            </a:extLst>
+          </p:cNvPr>
+          <p:cNvSpPr txBox="1"/>
+          <p:nvPr/>
+        </p:nvSpPr>
+        <p:spPr>
+          <a:xfrm>
+            <a:off x="4471356" y="536028"/>
+            <a:ext cx="3249287" cy="523220"/>
+          </a:xfrm>
+          <a:prstGeom prst="rect">
+            <a:avLst/>
+          </a:prstGeom>
+          <a:noFill/>
+        </p:spPr>
+        <p:txBody>
+          <a:bodyPr wrap="none" rtlCol="0">
+            <a:spAutoFit/>
+          </a:bodyPr>
+          <a:lstStyle/>
+          <a:p>
+            <a:r>
+              <a:rPr lang="en-US" sz="2800" dirty="0"/>
+              <a:t>Type the word below</a:t>
+            </a:r>
+          </a:p>
+        </p:txBody>
+      </p:sp>
+      <p:sp>
+        <p:nvSpPr>
+          <p:cNvPr id="5" name="Rectangle 4">
+            <a:extLst>
+              <a:ext uri="{FF2B5EF4-FFF2-40B4-BE49-F238E27FC236}">
+                <a16:creationId xmlns:a16="http://schemas.microsoft.com/office/drawing/2014/main" id="{F1A01D84-64B7-6C41-A0E9-D585C8FF0E1B}"/>
+              </a:ext>
+            </a:extLst>
+          </p:cNvPr>
+          <p:cNvSpPr/>
+          <p:nvPr/>
+        </p:nvSpPr>
+        <p:spPr>
+          <a:xfrm>
+            <a:off x="4367047" y="2427890"/>
+            <a:ext cx="3457904" cy="483476"/>
+          </a:xfrm>
+          <a:prstGeom prst="rect">
+            <a:avLst/>
+          </a:prstGeom>
+        </p:spPr>
+        <p:style>
+          <a:lnRef idx="2">
+            <a:schemeClr val="accent1">
+              <a:shade val="50000"/>
+            </a:schemeClr>
+          </a:lnRef>
+          <a:fillRef idx="1">
+            <a:schemeClr val="accent1"/>
+          </a:fillRef>
+          <a:effectRef idx="0">
+            <a:schemeClr val="accent1"/>
+          </a:effectRef>
+          <a:fontRef idx="minor">
+            <a:schemeClr val="lt1"/>
+          </a:fontRef>
+        </p:style>
+        <p:txBody>
+          <a:bodyPr rtlCol="0" anchor="ctr"/>
+          <a:lstStyle/>
+          <a:p>
+            <a:pPr algn="ctr"/>
+            <a:endParaRPr lang="en-US"/>
+          </a:p>
+        </p:txBody>
+      </p:sp>
+      <p:sp>
+        <p:nvSpPr>
+          <p:cNvPr id="6" name="TextBox 5">
+            <a:extLst>
+              <a:ext uri="{FF2B5EF4-FFF2-40B4-BE49-F238E27FC236}">
+                <a16:creationId xmlns:a16="http://schemas.microsoft.com/office/drawing/2014/main" id="{C8AB13A7-FD09-4D4E-8B25-A776739D16B7}"/>
+              </a:ext>
+            </a:extLst>
+          </p:cNvPr>
+          <p:cNvSpPr txBox="1"/>
+          <p:nvPr/>
+        </p:nvSpPr>
+        <p:spPr>
+          <a:xfrm>
+            <a:off x="5752700" y="4561489"/>
+            <a:ext cx="686598" cy="369332"/>
+          </a:xfrm>
+          <a:prstGeom prst="rect">
+            <a:avLst/>
+          </a:prstGeom>
+          <a:noFill/>
+        </p:spPr>
+        <p:txBody>
+          <a:bodyPr wrap="none" rtlCol="0">
+            <a:spAutoFit/>
+          </a:bodyPr>
+          <a:lstStyle/>
+          <a:p>
+            <a:r>
+              <a:rPr lang="en-US" dirty="0"/>
+              <a:t>Enter</a:t>
+            </a:r>
+          </a:p>
+        </p:txBody>
+      </p:sp>
+    </p:spTree>
+    <p:extLst>
+      <p:ext uri="{BB962C8B-B14F-4D97-AF65-F5344CB8AC3E}">
+        <p14:creationId xmlns:p14="http://schemas.microsoft.com/office/powerpoint/2010/main" val="903840019"/>
+      </p:ext>
+    </p:extLst>
+  </p:cSld>
+  <p:clrMapOvr>
+    <a:masterClrMapping/>
+  </p:clrMapOvr>
+</p:sld>
+</file>
+
+<file path=ppt/slides/slide6.xml><?xml version="1.0" encoding="utf-8"?>
+<p:sld xmlns:a="http://schemas.openxmlformats.org/drawingml/2006/main" xmlns:r="http://schemas.openxmlformats.org/officeDocument/2006/relationships" xmlns:p="http://schemas.openxmlformats.org/presentationml/2006/main">
+  <p:cSld>
+    <p:spTree>
+      <p:nvGrpSpPr>
+        <p:cNvPr id="1" name=""/>
+        <p:cNvGrpSpPr/>
+        <p:nvPr/>
+      </p:nvGrpSpPr>
+      <p:grpSpPr>
+        <a:xfrm>
+          <a:off x="0" y="0"/>
+          <a:ext cx="0" cy="0"/>
+          <a:chOff x="0" y="0"/>
+          <a:chExt cx="0" cy="0"/>
+        </a:xfrm>
+      </p:grpSpPr>
+      <p:sp>
+        <p:nvSpPr>
+          <p:cNvPr id="4" name="TextBox 3">
+            <a:extLst>
+              <a:ext uri="{FF2B5EF4-FFF2-40B4-BE49-F238E27FC236}">
+                <a16:creationId xmlns:a16="http://schemas.microsoft.com/office/drawing/2014/main" id="{30A28772-AFD6-D141-8225-503D558576FF}"/>
+              </a:ext>
+            </a:extLst>
+          </p:cNvPr>
+          <p:cNvSpPr txBox="1"/>
+          <p:nvPr/>
+        </p:nvSpPr>
+        <p:spPr>
+          <a:xfrm>
+            <a:off x="5465827" y="2406869"/>
+            <a:ext cx="1260345" cy="523220"/>
+          </a:xfrm>
+          <a:prstGeom prst="rect">
+            <a:avLst/>
+          </a:prstGeom>
+          <a:noFill/>
+        </p:spPr>
+        <p:txBody>
+          <a:bodyPr wrap="none" rtlCol="0">
+            <a:spAutoFit/>
+          </a:bodyPr>
+          <a:lstStyle/>
+          <a:p>
+            <a:r>
+              <a:rPr lang="en-US" sz="2800" dirty="0"/>
+              <a:t>Correct</a:t>
+            </a:r>
+          </a:p>
+        </p:txBody>
+      </p:sp>
+      <p:sp>
+        <p:nvSpPr>
+          <p:cNvPr id="5" name="TextBox 4">
+            <a:extLst>
+              <a:ext uri="{FF2B5EF4-FFF2-40B4-BE49-F238E27FC236}">
+                <a16:creationId xmlns:a16="http://schemas.microsoft.com/office/drawing/2014/main" id="{A2FA9DD7-1924-3942-B0A9-54DF42D0DFA5}"/>
+              </a:ext>
+            </a:extLst>
+          </p:cNvPr>
+          <p:cNvSpPr txBox="1"/>
+          <p:nvPr/>
+        </p:nvSpPr>
+        <p:spPr>
+          <a:xfrm>
+            <a:off x="1502979" y="6053959"/>
+            <a:ext cx="740908" cy="369332"/>
+          </a:xfrm>
+          <a:prstGeom prst="rect">
+            <a:avLst/>
+          </a:prstGeom>
+          <a:noFill/>
+        </p:spPr>
+        <p:txBody>
+          <a:bodyPr wrap="none" rtlCol="0">
+            <a:spAutoFit/>
+          </a:bodyPr>
+          <a:lstStyle/>
+          <a:p>
+            <a:r>
+              <a:rPr lang="en-US" dirty="0"/>
+              <a:t>Menu</a:t>
+            </a:r>
+          </a:p>
+        </p:txBody>
+      </p:sp>
+      <p:sp>
+        <p:nvSpPr>
+          <p:cNvPr id="6" name="TextBox 5">
+            <a:extLst>
+              <a:ext uri="{FF2B5EF4-FFF2-40B4-BE49-F238E27FC236}">
+                <a16:creationId xmlns:a16="http://schemas.microsoft.com/office/drawing/2014/main" id="{E37BF045-F687-144C-964B-75280FE9CE5D}"/>
+              </a:ext>
+            </a:extLst>
+          </p:cNvPr>
+          <p:cNvSpPr txBox="1"/>
+          <p:nvPr/>
+        </p:nvSpPr>
+        <p:spPr>
+          <a:xfrm>
+            <a:off x="10405241" y="6190593"/>
+            <a:ext cx="591829" cy="369332"/>
+          </a:xfrm>
+          <a:prstGeom prst="rect">
+            <a:avLst/>
+          </a:prstGeom>
+          <a:noFill/>
+        </p:spPr>
+        <p:txBody>
+          <a:bodyPr wrap="none" rtlCol="0">
+            <a:spAutoFit/>
+          </a:bodyPr>
+          <a:lstStyle/>
+          <a:p>
+            <a:r>
+              <a:rPr lang="en-US" dirty="0"/>
+              <a:t>Quit</a:t>
+            </a:r>
+          </a:p>
+        </p:txBody>
+      </p:sp>
+    </p:spTree>
+    <p:extLst>
+      <p:ext uri="{BB962C8B-B14F-4D97-AF65-F5344CB8AC3E}">
+        <p14:creationId xmlns:p14="http://schemas.microsoft.com/office/powerpoint/2010/main" val="727284769"/>
+      </p:ext>
+    </p:extLst>
+  </p:cSld>
+  <p:clrMapOvr>
+    <a:masterClrMapping/>
+  </p:clrMapOvr>
+</p:sld>
+</file>
+
+<file path=ppt/slides/slide7.xml><?xml version="1.0" encoding="utf-8"?>
+<p:sld xmlns:a="http://schemas.openxmlformats.org/drawingml/2006/main" xmlns:r="http://schemas.openxmlformats.org/officeDocument/2006/relationships" xmlns:p="http://schemas.openxmlformats.org/presentationml/2006/main">
+  <p:cSld>
+    <p:spTree>
+      <p:nvGrpSpPr>
+        <p:cNvPr id="1" name=""/>
+        <p:cNvGrpSpPr/>
+        <p:nvPr/>
+      </p:nvGrpSpPr>
+      <p:grpSpPr>
+        <a:xfrm>
+          <a:off x="0" y="0"/>
+          <a:ext cx="0" cy="0"/>
+          <a:chOff x="0" y="0"/>
+          <a:chExt cx="0" cy="0"/>
+        </a:xfrm>
+      </p:grpSpPr>
+      <p:sp>
+        <p:nvSpPr>
+          <p:cNvPr id="4" name="TextBox 3">
+            <a:extLst>
+              <a:ext uri="{FF2B5EF4-FFF2-40B4-BE49-F238E27FC236}">
+                <a16:creationId xmlns:a16="http://schemas.microsoft.com/office/drawing/2014/main" id="{30A28772-AFD6-D141-8225-503D558576FF}"/>
+              </a:ext>
+            </a:extLst>
+          </p:cNvPr>
+          <p:cNvSpPr txBox="1"/>
+          <p:nvPr/>
+        </p:nvSpPr>
+        <p:spPr>
+          <a:xfrm>
+            <a:off x="5347077" y="2490951"/>
+            <a:ext cx="1497846" cy="523220"/>
+          </a:xfrm>
+          <a:prstGeom prst="rect">
+            <a:avLst/>
+          </a:prstGeom>
+          <a:noFill/>
+        </p:spPr>
+        <p:txBody>
+          <a:bodyPr wrap="none" rtlCol="0">
+            <a:spAutoFit/>
+          </a:bodyPr>
+          <a:lstStyle/>
+          <a:p>
+            <a:r>
+              <a:rPr lang="en-US" sz="2800" dirty="0"/>
+              <a:t>Incorrect</a:t>
+            </a:r>
+          </a:p>
+        </p:txBody>
+      </p:sp>
+      <p:sp>
+        <p:nvSpPr>
+          <p:cNvPr id="5" name="TextBox 4">
+            <a:extLst>
+              <a:ext uri="{FF2B5EF4-FFF2-40B4-BE49-F238E27FC236}">
+                <a16:creationId xmlns:a16="http://schemas.microsoft.com/office/drawing/2014/main" id="{A2FA9DD7-1924-3942-B0A9-54DF42D0DFA5}"/>
+              </a:ext>
+            </a:extLst>
+          </p:cNvPr>
+          <p:cNvSpPr txBox="1"/>
+          <p:nvPr/>
+        </p:nvSpPr>
+        <p:spPr>
+          <a:xfrm>
+            <a:off x="1502979" y="6053959"/>
+            <a:ext cx="740908" cy="369332"/>
+          </a:xfrm>
+          <a:prstGeom prst="rect">
+            <a:avLst/>
+          </a:prstGeom>
+          <a:noFill/>
+        </p:spPr>
+        <p:txBody>
+          <a:bodyPr wrap="none" rtlCol="0">
+            <a:spAutoFit/>
+          </a:bodyPr>
+          <a:lstStyle/>
+          <a:p>
+            <a:r>
+              <a:rPr lang="en-US" dirty="0"/>
+              <a:t>Menu</a:t>
+            </a:r>
+          </a:p>
+        </p:txBody>
+      </p:sp>
+      <p:sp>
+        <p:nvSpPr>
+          <p:cNvPr id="6" name="TextBox 5">
+            <a:extLst>
+              <a:ext uri="{FF2B5EF4-FFF2-40B4-BE49-F238E27FC236}">
+                <a16:creationId xmlns:a16="http://schemas.microsoft.com/office/drawing/2014/main" id="{E37BF045-F687-144C-964B-75280FE9CE5D}"/>
+              </a:ext>
+            </a:extLst>
+          </p:cNvPr>
+          <p:cNvSpPr txBox="1"/>
+          <p:nvPr/>
+        </p:nvSpPr>
+        <p:spPr>
+          <a:xfrm>
+            <a:off x="10405241" y="6190593"/>
+            <a:ext cx="591829" cy="369332"/>
+          </a:xfrm>
+          <a:prstGeom prst="rect">
+            <a:avLst/>
+          </a:prstGeom>
+          <a:noFill/>
+        </p:spPr>
+        <p:txBody>
+          <a:bodyPr wrap="none" rtlCol="0">
+            <a:spAutoFit/>
+          </a:bodyPr>
+          <a:lstStyle/>
+          <a:p>
+            <a:r>
+              <a:rPr lang="en-US" dirty="0"/>
+              <a:t>Quit</a:t>
+            </a:r>
+          </a:p>
+        </p:txBody>
+      </p:sp>
+      <p:sp>
+        <p:nvSpPr>
+          <p:cNvPr id="2" name="TextBox 1">
+            <a:extLst>
+              <a:ext uri="{FF2B5EF4-FFF2-40B4-BE49-F238E27FC236}">
+                <a16:creationId xmlns:a16="http://schemas.microsoft.com/office/drawing/2014/main" id="{1818802F-AE71-714F-9A28-5CE1EFE0D67C}"/>
+              </a:ext>
+            </a:extLst>
+          </p:cNvPr>
+          <p:cNvSpPr txBox="1"/>
+          <p:nvPr/>
+        </p:nvSpPr>
+        <p:spPr>
+          <a:xfrm>
+            <a:off x="4476550" y="3244334"/>
+            <a:ext cx="3238900" cy="369332"/>
+          </a:xfrm>
+          <a:prstGeom prst="rect">
+            <a:avLst/>
+          </a:prstGeom>
+          <a:noFill/>
+        </p:spPr>
+        <p:txBody>
+          <a:bodyPr wrap="none" rtlCol="0">
+            <a:spAutoFit/>
+          </a:bodyPr>
+          <a:lstStyle/>
+          <a:p>
+            <a:r>
+              <a:rPr lang="en-US" dirty="0"/>
+              <a:t>The correct answer was Aw32Nk</a:t>
+            </a:r>
+          </a:p>
+        </p:txBody>
+      </p:sp>
+    </p:spTree>
+    <p:extLst>
+      <p:ext uri="{BB962C8B-B14F-4D97-AF65-F5344CB8AC3E}">
+        <p14:creationId xmlns:p14="http://schemas.microsoft.com/office/powerpoint/2010/main" val="2485774481"/>
       </p:ext>
     </p:extLst>
   </p:cSld>
